--- a/mkdocs/docs/images/src/illustration.pptx
+++ b/mkdocs/docs/images/src/illustration.pptx
@@ -197,7 +197,7 @@
           <a:p>
             <a:fld id="{38B78CBE-37FA-D241-BB4C-CAC5D3B25F49}" type="datetimeFigureOut">
               <a:rPr lang="en-US" smtClean="0"/>
-              <a:t>6/9/21</a:t>
+              <a:t>5/2/21</a:t>
             </a:fld>
             <a:endParaRPr lang="en-US"/>
           </a:p>
@@ -695,7 +695,7 @@
           <a:p>
             <a:fld id="{708812C5-0212-FD42-A0D4-E2E8FF4E3AF5}" type="datetime1">
               <a:rPr lang="en-US" smtClean="0"/>
-              <a:t>6/9/21</a:t>
+              <a:t>5/2/21</a:t>
             </a:fld>
             <a:endParaRPr lang="en-US"/>
           </a:p>
@@ -896,7 +896,7 @@
           <a:p>
             <a:fld id="{D232AC6F-41C3-B34B-9BAA-03ED2F3BC0F6}" type="datetime1">
               <a:rPr lang="en-US" smtClean="0"/>
-              <a:t>6/9/21</a:t>
+              <a:t>5/2/21</a:t>
             </a:fld>
             <a:endParaRPr lang="en-US"/>
           </a:p>
@@ -1107,7 +1107,7 @@
           <a:p>
             <a:fld id="{BEE140C2-F440-9D49-95CB-5965D64CC4A2}" type="datetime1">
               <a:rPr lang="en-US" smtClean="0"/>
-              <a:t>6/9/21</a:t>
+              <a:t>5/2/21</a:t>
             </a:fld>
             <a:endParaRPr lang="en-US"/>
           </a:p>
@@ -1308,7 +1308,7 @@
           <a:p>
             <a:fld id="{CC99F980-FB29-FD47-8508-150F73F1E8B0}" type="datetime1">
               <a:rPr lang="en-US" smtClean="0"/>
-              <a:t>6/9/21</a:t>
+              <a:t>5/2/21</a:t>
             </a:fld>
             <a:endParaRPr lang="en-US"/>
           </a:p>
@@ -1586,7 +1586,7 @@
           <a:p>
             <a:fld id="{D4510983-EA22-9643-8AC0-B3C6499B643B}" type="datetime1">
               <a:rPr lang="en-US" smtClean="0"/>
-              <a:t>6/9/21</a:t>
+              <a:t>5/2/21</a:t>
             </a:fld>
             <a:endParaRPr lang="en-US"/>
           </a:p>
@@ -1854,7 +1854,7 @@
           <a:p>
             <a:fld id="{D5A39195-967D-5D4E-8C6A-C99866996458}" type="datetime1">
               <a:rPr lang="en-US" smtClean="0"/>
-              <a:t>6/9/21</a:t>
+              <a:t>5/2/21</a:t>
             </a:fld>
             <a:endParaRPr lang="en-US"/>
           </a:p>
@@ -2269,7 +2269,7 @@
           <a:p>
             <a:fld id="{5AD771E9-C79D-684D-A158-5EB6E92DE947}" type="datetime1">
               <a:rPr lang="en-US" smtClean="0"/>
-              <a:t>6/9/21</a:t>
+              <a:t>5/2/21</a:t>
             </a:fld>
             <a:endParaRPr lang="en-US"/>
           </a:p>
@@ -2413,7 +2413,7 @@
           <a:p>
             <a:fld id="{693CA161-7E4C-5C4B-B799-DB602A0B9806}" type="datetime1">
               <a:rPr lang="en-US" smtClean="0"/>
-              <a:t>6/9/21</a:t>
+              <a:t>5/2/21</a:t>
             </a:fld>
             <a:endParaRPr lang="en-US"/>
           </a:p>
@@ -2529,7 +2529,7 @@
           <a:p>
             <a:fld id="{6D55FDF3-8BB2-6349-A5FA-057F3D78953D}" type="datetime1">
               <a:rPr lang="en-US" smtClean="0"/>
-              <a:t>6/9/21</a:t>
+              <a:t>5/2/21</a:t>
             </a:fld>
             <a:endParaRPr lang="en-US"/>
           </a:p>
@@ -2843,7 +2843,7 @@
           <a:p>
             <a:fld id="{EEDFACC0-3228-BA4B-942E-CEF38B0101FD}" type="datetime1">
               <a:rPr lang="en-US" smtClean="0"/>
-              <a:t>6/9/21</a:t>
+              <a:t>5/2/21</a:t>
             </a:fld>
             <a:endParaRPr lang="en-US"/>
           </a:p>
@@ -3134,7 +3134,7 @@
           <a:p>
             <a:fld id="{07EEEDBE-E24C-D140-B419-6D8D592D0F1C}" type="datetime1">
               <a:rPr lang="en-US" smtClean="0"/>
-              <a:t>6/9/21</a:t>
+              <a:t>5/2/21</a:t>
             </a:fld>
             <a:endParaRPr lang="en-US"/>
           </a:p>
@@ -3378,7 +3378,7 @@
           <a:p>
             <a:fld id="{E05781A2-A5EF-C54C-A3EF-F62483D37EDC}" type="datetime1">
               <a:rPr lang="en-US" smtClean="0"/>
-              <a:t>6/9/21</a:t>
+              <a:t>5/2/21</a:t>
             </a:fld>
             <a:endParaRPr lang="en-US"/>
           </a:p>
@@ -3801,6 +3801,63 @@
       </p:grpSpPr>
       <p:sp>
         <p:nvSpPr>
+          <p:cNvPr id="2" name="Footer Placeholder 1">
+            <a:extLst>
+              <a:ext uri="{FF2B5EF4-FFF2-40B4-BE49-F238E27FC236}">
+                <a16:creationId xmlns:a16="http://schemas.microsoft.com/office/drawing/2014/main" id="{CAF876A6-21EF-6949-9DC3-C0A99675CD1E}"/>
+              </a:ext>
+            </a:extLst>
+          </p:cNvPr>
+          <p:cNvSpPr>
+            <a:spLocks noGrp="1"/>
+          </p:cNvSpPr>
+          <p:nvPr>
+            <p:ph type="ftr" sz="quarter" idx="11"/>
+          </p:nvPr>
+        </p:nvSpPr>
+        <p:spPr/>
+        <p:txBody>
+          <a:bodyPr/>
+          <a:lstStyle/>
+          <a:p>
+            <a:r>
+              <a:rPr lang="en-US" dirty="0"/>
+              <a:t>https://iter8.tools</a:t>
+            </a:r>
+          </a:p>
+        </p:txBody>
+      </p:sp>
+      <p:sp>
+        <p:nvSpPr>
+          <p:cNvPr id="3" name="Slide Number Placeholder 2">
+            <a:extLst>
+              <a:ext uri="{FF2B5EF4-FFF2-40B4-BE49-F238E27FC236}">
+                <a16:creationId xmlns:a16="http://schemas.microsoft.com/office/drawing/2014/main" id="{8986A4B5-D9A6-BA4A-AE84-82889CB87602}"/>
+              </a:ext>
+            </a:extLst>
+          </p:cNvPr>
+          <p:cNvSpPr>
+            <a:spLocks noGrp="1"/>
+          </p:cNvSpPr>
+          <p:nvPr>
+            <p:ph type="sldNum" sz="quarter" idx="12"/>
+          </p:nvPr>
+        </p:nvSpPr>
+        <p:spPr/>
+        <p:txBody>
+          <a:bodyPr/>
+          <a:lstStyle/>
+          <a:p>
+            <a:fld id="{B78E2DF1-CA0F-8745-8AE1-A3A61670CB1B}" type="slidenum">
+              <a:rPr lang="en-US" smtClean="0"/>
+              <a:t>1</a:t>
+            </a:fld>
+            <a:endParaRPr lang="en-US"/>
+          </a:p>
+        </p:txBody>
+      </p:sp>
+      <p:sp>
+        <p:nvSpPr>
           <p:cNvPr id="54" name="Rounded Rectangle 53">
             <a:extLst>
               <a:ext uri="{FF2B5EF4-FFF2-40B4-BE49-F238E27FC236}">
@@ -3813,8 +3870,8 @@
         </p:nvSpPr>
         <p:spPr>
           <a:xfrm>
-            <a:off x="4581297" y="3522338"/>
-            <a:ext cx="5992110" cy="2006097"/>
+            <a:off x="4866290" y="3795607"/>
+            <a:ext cx="4376458" cy="1395986"/>
           </a:xfrm>
           <a:prstGeom prst="roundRect">
             <a:avLst/>
@@ -3824,11 +3881,10 @@
               <a:lumMod val="95000"/>
             </a:schemeClr>
           </a:solidFill>
-          <a:ln w="3175">
+          <a:ln>
             <a:solidFill>
               <a:srgbClr val="002060"/>
             </a:solidFill>
-            <a:prstDash val="dashDot"/>
           </a:ln>
         </p:spPr>
         <p:style>
@@ -3851,73 +3907,20 @@
           <a:bodyPr rtlCol="0" anchor="b"/>
           <a:lstStyle/>
           <a:p>
-            <a:pPr algn="ctr">
-              <a:spcBef>
-                <a:spcPts val="600"/>
-              </a:spcBef>
-            </a:pPr>
+            <a:pPr algn="ctr"/>
             <a:r>
               <a:rPr lang="en-US" sz="2000" b="1" dirty="0">
                 <a:solidFill>
                   <a:srgbClr val="7A004A"/>
                 </a:solidFill>
               </a:rPr>
-              <a:t>AI-driven </a:t>
-            </a:r>
-            <a:r>
-              <a:rPr lang="en-US" sz="2000" dirty="0">
-                <a:solidFill>
-                  <a:schemeClr val="tx1"/>
-                </a:solidFill>
-              </a:rPr>
-              <a:t>SLO validation &amp; A/B testing</a:t>
-            </a:r>
-          </a:p>
-          <a:p>
-            <a:pPr algn="ctr">
-              <a:spcBef>
-                <a:spcPts val="600"/>
-              </a:spcBef>
-            </a:pPr>
-            <a:r>
-              <a:rPr lang="en-US" sz="2000" dirty="0">
-                <a:solidFill>
-                  <a:schemeClr val="tx1"/>
-                </a:solidFill>
-              </a:rPr>
-              <a:t>Progressive delivery + traffic engineering</a:t>
-            </a:r>
-          </a:p>
-          <a:p>
-            <a:pPr algn="ctr">
-              <a:spcBef>
-                <a:spcPts val="600"/>
-              </a:spcBef>
-            </a:pPr>
-            <a:r>
-              <a:rPr lang="en-US" sz="2000" dirty="0">
-                <a:solidFill>
-                  <a:schemeClr val="tx1"/>
-                </a:solidFill>
-              </a:rPr>
-              <a:t>Istio, </a:t>
-            </a:r>
-            <a:r>
-              <a:rPr lang="en-US" sz="2000" dirty="0" err="1">
-                <a:solidFill>
-                  <a:schemeClr val="tx1"/>
-                </a:solidFill>
-              </a:rPr>
-              <a:t>KFServing</a:t>
-            </a:r>
-            <a:r>
-              <a:rPr lang="en-US" sz="2000" dirty="0">
-                <a:solidFill>
-                  <a:schemeClr val="tx1"/>
-                </a:solidFill>
-              </a:rPr>
-              <a:t>, Knative, Seldon, …</a:t>
-            </a:r>
+              <a:t>Automate A/B(/n), Canary, and Conformance experiments</a:t>
+            </a:r>
+            <a:endParaRPr lang="en-US" sz="2000" dirty="0">
+              <a:solidFill>
+                <a:schemeClr val="tx1"/>
+              </a:solidFill>
+            </a:endParaRPr>
           </a:p>
         </p:txBody>
       </p:sp>
@@ -3935,8 +3938,8 @@
         </p:nvSpPr>
         <p:spPr>
           <a:xfrm>
-            <a:off x="3351470" y="1482582"/>
-            <a:ext cx="3080239" cy="1578365"/>
+            <a:off x="3205655" y="2031427"/>
+            <a:ext cx="3585863" cy="1397573"/>
           </a:xfrm>
           <a:prstGeom prst="roundRect">
             <a:avLst/>
@@ -3946,11 +3949,10 @@
               <a:lumMod val="95000"/>
             </a:schemeClr>
           </a:solidFill>
-          <a:ln w="3175">
+          <a:ln>
             <a:solidFill>
               <a:schemeClr val="tx2"/>
             </a:solidFill>
-            <a:prstDash val="dashDot"/>
           </a:ln>
         </p:spPr>
         <p:style>
@@ -3975,26 +3977,21 @@
           <a:p>
             <a:pPr algn="ctr"/>
             <a:r>
+              <a:rPr lang="en-US" sz="2000" b="1" dirty="0">
+                <a:solidFill>
+                  <a:srgbClr val="7A004A"/>
+                </a:solidFill>
+              </a:rPr>
+              <a:t>Find and promote winning version </a:t>
+            </a:r>
+            <a:r>
               <a:rPr lang="en-US" sz="2000" dirty="0">
                 <a:solidFill>
                   <a:schemeClr val="tx1"/>
                 </a:solidFill>
               </a:rPr>
-              <a:t>Find and safely promote</a:t>
-            </a:r>
-            <a:r>
-              <a:rPr lang="en-US" sz="2000" b="1" dirty="0">
-                <a:solidFill>
-                  <a:srgbClr val="7A004A"/>
-                </a:solidFill>
-              </a:rPr>
-              <a:t> winning version</a:t>
-            </a:r>
-            <a:endParaRPr lang="en-US" sz="2000" dirty="0">
-              <a:solidFill>
-                <a:schemeClr val="tx1"/>
-              </a:solidFill>
-            </a:endParaRPr>
+              <a:t>of your app/ML model</a:t>
+            </a:r>
           </a:p>
         </p:txBody>
       </p:sp>
@@ -4026,7 +4023,7 @@
         </p:blipFill>
         <p:spPr>
           <a:xfrm flipH="1">
-            <a:off x="3878416" y="1674667"/>
+            <a:off x="3987823" y="2106861"/>
             <a:ext cx="623353" cy="623353"/>
           </a:xfrm>
           <a:prstGeom prst="rect">
@@ -4062,7 +4059,7 @@
         </p:blipFill>
         <p:spPr>
           <a:xfrm flipH="1">
-            <a:off x="4440359" y="1674667"/>
+            <a:off x="4549766" y="2106861"/>
             <a:ext cx="623353" cy="623353"/>
           </a:xfrm>
           <a:prstGeom prst="rect">
@@ -4098,7 +4095,7 @@
         </p:blipFill>
         <p:spPr>
           <a:xfrm flipH="1">
-            <a:off x="4991791" y="1674667"/>
+            <a:off x="5101198" y="2106861"/>
             <a:ext cx="623353" cy="623353"/>
           </a:xfrm>
           <a:prstGeom prst="rect">
@@ -4134,7 +4131,7 @@
         </p:blipFill>
         <p:spPr>
           <a:xfrm>
-            <a:off x="3352195" y="4106437"/>
+            <a:off x="3195265" y="4074651"/>
             <a:ext cx="837897" cy="837897"/>
           </a:xfrm>
           <a:prstGeom prst="rect">
@@ -4170,8 +4167,8 @@
         </p:nvCxnSpPr>
         <p:spPr>
           <a:xfrm>
-            <a:off x="4190092" y="4525386"/>
-            <a:ext cx="391205" cy="1"/>
+            <a:off x="4033162" y="4493600"/>
+            <a:ext cx="833128" cy="0"/>
           </a:xfrm>
           <a:prstGeom prst="straightConnector1">
             <a:avLst/>
@@ -4230,7 +4227,7 @@
         </p:blipFill>
         <p:spPr bwMode="auto">
           <a:xfrm flipH="1">
-            <a:off x="5319922" y="3622140"/>
+            <a:off x="5099207" y="3905918"/>
             <a:ext cx="505667" cy="498513"/>
           </a:xfrm>
           <a:prstGeom prst="rect">
@@ -4277,7 +4274,7 @@
         </p:blipFill>
         <p:spPr bwMode="auto">
           <a:xfrm>
-            <a:off x="4726868" y="3622140"/>
+            <a:off x="6584339" y="3905631"/>
             <a:ext cx="494256" cy="494256"/>
           </a:xfrm>
           <a:prstGeom prst="rect">
@@ -4324,7 +4321,7 @@
         </p:blipFill>
         <p:spPr bwMode="auto">
           <a:xfrm>
-            <a:off x="5905620" y="3634659"/>
+            <a:off x="5778367" y="3905919"/>
             <a:ext cx="611528" cy="494256"/>
           </a:xfrm>
           <a:prstGeom prst="rect">
@@ -4370,7 +4367,7 @@
         </p:blipFill>
         <p:spPr>
           <a:xfrm>
-            <a:off x="5589384" y="1701660"/>
+            <a:off x="5698791" y="2133854"/>
             <a:ext cx="506616" cy="506616"/>
           </a:xfrm>
           <a:prstGeom prst="rect">
@@ -4406,8 +4403,8 @@
         </p:blipFill>
         <p:spPr>
           <a:xfrm>
-            <a:off x="9679340" y="3705463"/>
-            <a:ext cx="681704" cy="681704"/>
+            <a:off x="8460001" y="3944198"/>
+            <a:ext cx="546199" cy="546199"/>
           </a:xfrm>
           <a:prstGeom prst="rect">
             <a:avLst/>
@@ -4435,8 +4432,8 @@
         </p:nvSpPr>
         <p:spPr>
           <a:xfrm>
-            <a:off x="6983370" y="1482581"/>
-            <a:ext cx="3590038" cy="1578369"/>
+            <a:off x="7064615" y="2033013"/>
+            <a:ext cx="2178133" cy="1395986"/>
           </a:xfrm>
           <a:prstGeom prst="roundRect">
             <a:avLst/>
@@ -4446,11 +4443,10 @@
               <a:lumMod val="95000"/>
             </a:schemeClr>
           </a:solidFill>
-          <a:ln w="3175">
+          <a:ln>
             <a:solidFill>
               <a:schemeClr val="tx2"/>
             </a:solidFill>
-            <a:prstDash val="dashDot"/>
           </a:ln>
         </p:spPr>
         <p:style>
@@ -4475,20 +4471,12 @@
           <a:p>
             <a:pPr algn="ctr"/>
             <a:r>
-              <a:rPr lang="en-US" sz="2000" b="1" dirty="0" err="1">
-                <a:solidFill>
-                  <a:srgbClr val="7A004A"/>
-                </a:solidFill>
-              </a:rPr>
-              <a:t>Builtin</a:t>
-            </a:r>
-            <a:r>
               <a:rPr lang="en-US" sz="2000" b="1" dirty="0">
                 <a:solidFill>
                   <a:srgbClr val="7A004A"/>
                 </a:solidFill>
               </a:rPr>
-              <a:t> </a:t>
+              <a:t>Use metrics</a:t>
             </a:r>
             <a:r>
               <a:rPr lang="en-US" sz="2000" dirty="0">
@@ -4496,18 +4484,23 @@
                   <a:schemeClr val="tx1"/>
                 </a:solidFill>
               </a:rPr>
-              <a:t>metrics</a:t>
-            </a:r>
-          </a:p>
-          <a:p>
-            <a:pPr algn="ctr"/>
+              <a:t> from </a:t>
+            </a:r>
             <a:r>
               <a:rPr lang="en-US" sz="2000" b="1" dirty="0">
                 <a:solidFill>
                   <a:srgbClr val="7A004A"/>
                 </a:solidFill>
               </a:rPr>
-              <a:t>Custom </a:t>
+              <a:t>any</a:t>
+            </a:r>
+            <a:r>
+              <a:rPr lang="en-US" sz="2000" b="1" dirty="0">
+                <a:solidFill>
+                  <a:srgbClr val="C00000"/>
+                </a:solidFill>
+              </a:rPr>
+              <a:t> </a:t>
             </a:r>
             <a:r>
               <a:rPr lang="en-US" sz="2000" dirty="0">
@@ -4515,40 +4508,8 @@
                   <a:schemeClr val="tx1"/>
                 </a:solidFill>
               </a:rPr>
-              <a:t>metrics from</a:t>
-            </a:r>
-            <a:r>
-              <a:rPr lang="en-US" sz="2000" b="1" dirty="0">
-                <a:solidFill>
-                  <a:srgbClr val="7A004A"/>
-                </a:solidFill>
-              </a:rPr>
-              <a:t> any DB</a:t>
-            </a:r>
-          </a:p>
-          <a:p>
-            <a:pPr algn="ctr"/>
-            <a:r>
-              <a:rPr lang="en-US" sz="2000" dirty="0">
-                <a:solidFill>
-                  <a:schemeClr val="tx1"/>
-                </a:solidFill>
-              </a:rPr>
-              <a:t>Metrics</a:t>
-            </a:r>
-            <a:r>
-              <a:rPr lang="en-US" sz="2000" b="1" dirty="0">
-                <a:solidFill>
-                  <a:srgbClr val="7A004A"/>
-                </a:solidFill>
-              </a:rPr>
-              <a:t> mock</a:t>
-            </a:r>
-            <a:endParaRPr lang="en-US" sz="2000" dirty="0">
-              <a:solidFill>
-                <a:schemeClr val="tx1"/>
-              </a:solidFill>
-            </a:endParaRPr>
+              <a:t>provider</a:t>
+            </a:r>
           </a:p>
         </p:txBody>
       </p:sp>
@@ -4570,8 +4531,8 @@
         </p:nvCxnSpPr>
         <p:spPr>
           <a:xfrm>
-            <a:off x="6431709" y="2271765"/>
-            <a:ext cx="551661" cy="1"/>
+            <a:off x="6791518" y="2730214"/>
+            <a:ext cx="273097" cy="792"/>
           </a:xfrm>
           <a:prstGeom prst="straightConnector1">
             <a:avLst/>
@@ -4582,7 +4543,6 @@
                 <a:lumMod val="75000"/>
               </a:schemeClr>
             </a:solidFill>
-            <a:prstDash val="sysDot"/>
             <a:tailEnd type="stealth" w="lg" len="lg"/>
           </a:ln>
           <a:effectLst/>
@@ -4620,8 +4580,8 @@
         </p:nvCxnSpPr>
         <p:spPr>
           <a:xfrm rot="16200000" flipV="1">
-            <a:off x="6003776" y="1948762"/>
-            <a:ext cx="461391" cy="2685762"/>
+            <a:off x="5843250" y="2584338"/>
+            <a:ext cx="366607" cy="2055932"/>
           </a:xfrm>
           <a:prstGeom prst="bentConnector3">
             <a:avLst/>
@@ -4632,7 +4592,6 @@
                 <a:lumMod val="75000"/>
               </a:schemeClr>
             </a:solidFill>
-            <a:prstDash val="sysDot"/>
             <a:tailEnd type="stealth" w="lg" len="lg"/>
           </a:ln>
           <a:effectLst/>
@@ -4670,8 +4629,8 @@
         </p:nvCxnSpPr>
         <p:spPr>
           <a:xfrm rot="16200000" flipH="1">
-            <a:off x="9077034" y="2762304"/>
-            <a:ext cx="644513" cy="1241803"/>
+            <a:off x="8185792" y="3396888"/>
+            <a:ext cx="515199" cy="579419"/>
           </a:xfrm>
           <a:prstGeom prst="bentConnector3">
             <a:avLst>
@@ -4684,7 +4643,6 @@
                 <a:lumMod val="75000"/>
               </a:schemeClr>
             </a:solidFill>
-            <a:prstDash val="sysDot"/>
             <a:tailEnd type="stealth" w="lg" len="lg"/>
           </a:ln>
           <a:effectLst/>
@@ -4732,7 +4690,7 @@
         </p:blipFill>
         <p:spPr>
           <a:xfrm>
-            <a:off x="8382435" y="1535121"/>
+            <a:off x="7110684" y="2115640"/>
             <a:ext cx="469190" cy="485240"/>
           </a:xfrm>
           <a:prstGeom prst="rect">
@@ -4768,7 +4726,7 @@
         </p:blipFill>
         <p:spPr>
           <a:xfrm>
-            <a:off x="8888838" y="1535121"/>
+            <a:off x="7617087" y="2115640"/>
             <a:ext cx="576312" cy="485240"/>
           </a:xfrm>
           <a:prstGeom prst="rect">
@@ -4804,7 +4762,7 @@
         </p:blipFill>
         <p:spPr>
           <a:xfrm>
-            <a:off x="9512873" y="1535122"/>
+            <a:off x="8241122" y="2115641"/>
             <a:ext cx="465279" cy="485239"/>
           </a:xfrm>
           <a:prstGeom prst="rect">
@@ -4840,7 +4798,7 @@
         </p:blipFill>
         <p:spPr>
           <a:xfrm>
-            <a:off x="10004852" y="1535121"/>
+            <a:off x="8733101" y="2115640"/>
             <a:ext cx="467334" cy="485240"/>
           </a:xfrm>
           <a:prstGeom prst="rect">
@@ -4859,12 +4817,13 @@
           </p:cNvPr>
           <p:cNvCxnSpPr>
             <a:cxnSpLocks/>
+            <a:stCxn id="65" idx="1"/>
           </p:cNvCxnSpPr>
           <p:nvPr/>
         </p:nvCxnSpPr>
         <p:spPr>
           <a:xfrm flipH="1">
-            <a:off x="7724498" y="3914957"/>
+            <a:off x="7143136" y="4217298"/>
             <a:ext cx="1316865" cy="0"/>
           </a:xfrm>
           <a:prstGeom prst="straightConnector1">
@@ -4876,194 +4835,7 @@
                 <a:lumMod val="75000"/>
               </a:schemeClr>
             </a:solidFill>
-            <a:prstDash val="sysDot"/>
             <a:tailEnd type="stealth" w="lg" len="lg"/>
-          </a:ln>
-          <a:effectLst/>
-        </p:spPr>
-        <p:style>
-          <a:lnRef idx="1">
-            <a:schemeClr val="accent1"/>
-          </a:lnRef>
-          <a:fillRef idx="0">
-            <a:schemeClr val="accent1"/>
-          </a:fillRef>
-          <a:effectRef idx="0">
-            <a:schemeClr val="accent1"/>
-          </a:effectRef>
-          <a:fontRef idx="minor">
-            <a:schemeClr val="tx1"/>
-          </a:fontRef>
-        </p:style>
-      </p:cxnSp>
-      <p:pic>
-        <p:nvPicPr>
-          <p:cNvPr id="27" name="Graphic 26">
-            <a:extLst>
-              <a:ext uri="{FF2B5EF4-FFF2-40B4-BE49-F238E27FC236}">
-                <a16:creationId xmlns:a16="http://schemas.microsoft.com/office/drawing/2014/main" id="{8E64CE0A-A303-B24D-84CD-764C68816431}"/>
-              </a:ext>
-            </a:extLst>
-          </p:cNvPr>
-          <p:cNvPicPr>
-            <a:picLocks noChangeAspect="1"/>
-          </p:cNvPicPr>
-          <p:nvPr/>
-        </p:nvPicPr>
-        <p:blipFill>
-          <a:blip r:embed="rId16">
-            <a:extLst>
-              <a:ext uri="{96DAC541-7B7A-43D3-8B79-37D633B846F1}">
-                <asvg:svgBlip xmlns:asvg="http://schemas.microsoft.com/office/drawing/2016/SVG/main" r:embed="rId17"/>
-              </a:ext>
-            </a:extLst>
-          </a:blip>
-          <a:stretch>
-            <a:fillRect/>
-          </a:stretch>
-        </p:blipFill>
-        <p:spPr>
-          <a:xfrm>
-            <a:off x="7092180" y="1535121"/>
-            <a:ext cx="485240" cy="485240"/>
-          </a:xfrm>
-          <a:prstGeom prst="rect">
-            <a:avLst/>
-          </a:prstGeom>
-          <a:effectLst>
-            <a:outerShdw blurRad="50800" dist="50800" dir="5400000" algn="ctr" rotWithShape="0">
-              <a:srgbClr val="000000">
-                <a:alpha val="93000"/>
-              </a:srgbClr>
-            </a:outerShdw>
-          </a:effectLst>
-        </p:spPr>
-      </p:pic>
-      <p:pic>
-        <p:nvPicPr>
-          <p:cNvPr id="1026" name="Picture 2" descr="Seldon · GitHub">
-            <a:extLst>
-              <a:ext uri="{FF2B5EF4-FFF2-40B4-BE49-F238E27FC236}">
-                <a16:creationId xmlns:a16="http://schemas.microsoft.com/office/drawing/2014/main" id="{8B164542-4273-A246-B250-41186A1F5144}"/>
-              </a:ext>
-            </a:extLst>
-          </p:cNvPr>
-          <p:cNvPicPr>
-            <a:picLocks noChangeAspect="1" noChangeArrowheads="1"/>
-          </p:cNvPicPr>
-          <p:nvPr/>
-        </p:nvPicPr>
-        <p:blipFill>
-          <a:blip r:embed="rId26">
-            <a:extLst>
-              <a:ext uri="{28A0092B-C50C-407E-A947-70E740481C1C}">
-                <a14:useLocalDpi xmlns:a14="http://schemas.microsoft.com/office/drawing/2010/main" val="0"/>
-              </a:ext>
-            </a:extLst>
-          </a:blip>
-          <a:srcRect/>
-          <a:stretch>
-            <a:fillRect/>
-          </a:stretch>
-        </p:blipFill>
-        <p:spPr bwMode="auto">
-          <a:xfrm flipH="1">
-            <a:off x="6592136" y="3652913"/>
-            <a:ext cx="494255" cy="494255"/>
-          </a:xfrm>
-          <a:prstGeom prst="rect">
-            <a:avLst/>
-          </a:prstGeom>
-          <a:noFill/>
-          <a:extLst>
-            <a:ext uri="{909E8E84-426E-40DD-AFC4-6F175D3DCCD1}">
-              <a14:hiddenFill xmlns:a14="http://schemas.microsoft.com/office/drawing/2010/main">
-                <a:solidFill>
-                  <a:srgbClr val="FFFFFF"/>
-                </a:solidFill>
-              </a14:hiddenFill>
-            </a:ext>
-          </a:extLst>
-        </p:spPr>
-      </p:pic>
-      <p:cxnSp>
-        <p:nvCxnSpPr>
-          <p:cNvPr id="34" name="Straight Arrow Connector 33">
-            <a:extLst>
-              <a:ext uri="{FF2B5EF4-FFF2-40B4-BE49-F238E27FC236}">
-                <a16:creationId xmlns:a16="http://schemas.microsoft.com/office/drawing/2014/main" id="{F21E3017-FDF5-E141-8F5A-CB4A20A7A682}"/>
-              </a:ext>
-            </a:extLst>
-          </p:cNvPr>
-          <p:cNvCxnSpPr>
-            <a:cxnSpLocks/>
-          </p:cNvCxnSpPr>
-          <p:nvPr/>
-        </p:nvCxnSpPr>
-        <p:spPr>
-          <a:xfrm flipH="1">
-            <a:off x="5615145" y="4661869"/>
-            <a:ext cx="3897728" cy="0"/>
-          </a:xfrm>
-          <a:prstGeom prst="straightConnector1">
-            <a:avLst/>
-          </a:prstGeom>
-          <a:ln w="25400">
-            <a:solidFill>
-              <a:schemeClr val="bg2">
-                <a:lumMod val="75000"/>
-              </a:schemeClr>
-            </a:solidFill>
-            <a:prstDash val="sysDot"/>
-            <a:tailEnd type="none" w="lg" len="lg"/>
-          </a:ln>
-          <a:effectLst/>
-        </p:spPr>
-        <p:style>
-          <a:lnRef idx="1">
-            <a:schemeClr val="accent1"/>
-          </a:lnRef>
-          <a:fillRef idx="0">
-            <a:schemeClr val="accent1"/>
-          </a:fillRef>
-          <a:effectRef idx="0">
-            <a:schemeClr val="accent1"/>
-          </a:effectRef>
-          <a:fontRef idx="minor">
-            <a:schemeClr val="tx1"/>
-          </a:fontRef>
-        </p:style>
-      </p:cxnSp>
-      <p:cxnSp>
-        <p:nvCxnSpPr>
-          <p:cNvPr id="35" name="Straight Arrow Connector 34">
-            <a:extLst>
-              <a:ext uri="{FF2B5EF4-FFF2-40B4-BE49-F238E27FC236}">
-                <a16:creationId xmlns:a16="http://schemas.microsoft.com/office/drawing/2014/main" id="{B0E2B293-EB87-414C-8838-568B3C82F200}"/>
-              </a:ext>
-            </a:extLst>
-          </p:cNvPr>
-          <p:cNvCxnSpPr>
-            <a:cxnSpLocks/>
-          </p:cNvCxnSpPr>
-          <p:nvPr/>
-        </p:nvCxnSpPr>
-        <p:spPr>
-          <a:xfrm flipH="1">
-            <a:off x="5825590" y="5045500"/>
-            <a:ext cx="3573700" cy="0"/>
-          </a:xfrm>
-          <a:prstGeom prst="straightConnector1">
-            <a:avLst/>
-          </a:prstGeom>
-          <a:ln w="25400">
-            <a:solidFill>
-              <a:schemeClr val="bg2">
-                <a:lumMod val="75000"/>
-              </a:schemeClr>
-            </a:solidFill>
-            <a:prstDash val="sysDot"/>
-            <a:tailEnd type="none" w="lg" len="lg"/>
           </a:ln>
           <a:effectLst/>
         </p:spPr>
